--- a/04.JQuery/jquery.pptx
+++ b/04.JQuery/jquery.pptx
@@ -312,7 +312,7 @@
           <a:p>
             <a:fld id="{33A76178-81ED-4001-9E4F-2F16B57B426E}" type="datetimeFigureOut">
               <a:rPr lang="en-US" smtClean="0"/>
-              <a:t>17/01/2019</a:t>
+              <a:t>12/1/2024</a:t>
             </a:fld>
             <a:endParaRPr lang="en-US"/>
           </a:p>
@@ -480,7 +480,7 @@
           <a:p>
             <a:fld id="{33A76178-81ED-4001-9E4F-2F16B57B426E}" type="datetimeFigureOut">
               <a:rPr lang="en-US" smtClean="0"/>
-              <a:t>17/01/2019</a:t>
+              <a:t>12/1/2024</a:t>
             </a:fld>
             <a:endParaRPr lang="en-US"/>
           </a:p>
@@ -658,7 +658,7 @@
           <a:p>
             <a:fld id="{33A76178-81ED-4001-9E4F-2F16B57B426E}" type="datetimeFigureOut">
               <a:rPr lang="en-US" smtClean="0"/>
-              <a:t>17/01/2019</a:t>
+              <a:t>12/1/2024</a:t>
             </a:fld>
             <a:endParaRPr lang="en-US"/>
           </a:p>
@@ -826,7 +826,7 @@
           <a:p>
             <a:fld id="{33A76178-81ED-4001-9E4F-2F16B57B426E}" type="datetimeFigureOut">
               <a:rPr lang="en-US" smtClean="0"/>
-              <a:t>17/01/2019</a:t>
+              <a:t>12/1/2024</a:t>
             </a:fld>
             <a:endParaRPr lang="en-US"/>
           </a:p>
@@ -1071,7 +1071,7 @@
           <a:p>
             <a:fld id="{33A76178-81ED-4001-9E4F-2F16B57B426E}" type="datetimeFigureOut">
               <a:rPr lang="en-US" smtClean="0"/>
-              <a:t>17/01/2019</a:t>
+              <a:t>12/1/2024</a:t>
             </a:fld>
             <a:endParaRPr lang="en-US"/>
           </a:p>
@@ -1300,7 +1300,7 @@
           <a:p>
             <a:fld id="{33A76178-81ED-4001-9E4F-2F16B57B426E}" type="datetimeFigureOut">
               <a:rPr lang="en-US" smtClean="0"/>
-              <a:t>17/01/2019</a:t>
+              <a:t>12/1/2024</a:t>
             </a:fld>
             <a:endParaRPr lang="en-US"/>
           </a:p>
@@ -1664,7 +1664,7 @@
           <a:p>
             <a:fld id="{33A76178-81ED-4001-9E4F-2F16B57B426E}" type="datetimeFigureOut">
               <a:rPr lang="en-US" smtClean="0"/>
-              <a:t>17/01/2019</a:t>
+              <a:t>12/1/2024</a:t>
             </a:fld>
             <a:endParaRPr lang="en-US"/>
           </a:p>
@@ -1781,7 +1781,7 @@
           <a:p>
             <a:fld id="{33A76178-81ED-4001-9E4F-2F16B57B426E}" type="datetimeFigureOut">
               <a:rPr lang="en-US" smtClean="0"/>
-              <a:t>17/01/2019</a:t>
+              <a:t>12/1/2024</a:t>
             </a:fld>
             <a:endParaRPr lang="en-US"/>
           </a:p>
@@ -1876,7 +1876,7 @@
           <a:p>
             <a:fld id="{33A76178-81ED-4001-9E4F-2F16B57B426E}" type="datetimeFigureOut">
               <a:rPr lang="en-US" smtClean="0"/>
-              <a:t>17/01/2019</a:t>
+              <a:t>12/1/2024</a:t>
             </a:fld>
             <a:endParaRPr lang="en-US"/>
           </a:p>
@@ -2151,7 +2151,7 @@
           <a:p>
             <a:fld id="{33A76178-81ED-4001-9E4F-2F16B57B426E}" type="datetimeFigureOut">
               <a:rPr lang="en-US" smtClean="0"/>
-              <a:t>17/01/2019</a:t>
+              <a:t>12/1/2024</a:t>
             </a:fld>
             <a:endParaRPr lang="en-US"/>
           </a:p>
@@ -2403,7 +2403,7 @@
           <a:p>
             <a:fld id="{33A76178-81ED-4001-9E4F-2F16B57B426E}" type="datetimeFigureOut">
               <a:rPr lang="en-US" smtClean="0"/>
-              <a:t>17/01/2019</a:t>
+              <a:t>12/1/2024</a:t>
             </a:fld>
             <a:endParaRPr lang="en-US"/>
           </a:p>
@@ -2614,7 +2614,7 @@
           <a:p>
             <a:fld id="{33A76178-81ED-4001-9E4F-2F16B57B426E}" type="datetimeFigureOut">
               <a:rPr lang="en-US" smtClean="0"/>
-              <a:t>17/01/2019</a:t>
+              <a:t>12/1/2024</a:t>
             </a:fld>
             <a:endParaRPr lang="en-US"/>
           </a:p>
@@ -4212,7 +4212,7 @@
           <a:p>
             <a:r>
               <a:rPr lang="en-US" sz="2000" dirty="0"/>
-              <a:t>$("document").ready(function(){</a:t>
+              <a:t>$(document).ready(function(){</a:t>
             </a:r>
           </a:p>
           <a:p>
@@ -27019,42 +27019,42 @@
           <p:nvPr>
             <p:extLst>
               <p:ext uri="{D42A27DB-BD31-4B8C-83A1-F6EECF244321}">
-                <p14:modId xmlns:p14="http://schemas.microsoft.com/office/powerpoint/2010/main" val="1661209424"/>
+                <p14:modId xmlns:p14="http://schemas.microsoft.com/office/powerpoint/2010/main" val="1721492174"/>
               </p:ext>
             </p:extLst>
           </p:nvPr>
         </p:nvGraphicFramePr>
         <p:xfrm>
-          <a:off x="6259133" y="2627291"/>
-          <a:ext cx="6137039" cy="2459434"/>
+          <a:off x="5896303" y="2627291"/>
+          <a:ext cx="6165835" cy="2459434"/>
         </p:xfrm>
         <a:graphic>
           <a:graphicData uri="http://schemas.openxmlformats.org/drawingml/2006/table">
             <a:tbl>
               <a:tblPr/>
               <a:tblGrid>
-                <a:gridCol w="1404527">
+                <a:gridCol w="1411118">
                   <a:extLst>
                     <a:ext uri="{9D8B030D-6E8A-4147-A177-3AD203B41FA5}">
                       <a16:colId xmlns:a16="http://schemas.microsoft.com/office/drawing/2014/main" val="20000"/>
                     </a:ext>
                   </a:extLst>
                 </a:gridCol>
-                <a:gridCol w="1529069">
+                <a:gridCol w="1536244">
                   <a:extLst>
                     <a:ext uri="{9D8B030D-6E8A-4147-A177-3AD203B41FA5}">
                       <a16:colId xmlns:a16="http://schemas.microsoft.com/office/drawing/2014/main" val="20001"/>
                     </a:ext>
                   </a:extLst>
                 </a:gridCol>
-                <a:gridCol w="1342263">
+                <a:gridCol w="1348561">
                   <a:extLst>
                     <a:ext uri="{9D8B030D-6E8A-4147-A177-3AD203B41FA5}">
                       <a16:colId xmlns:a16="http://schemas.microsoft.com/office/drawing/2014/main" val="20002"/>
                     </a:ext>
                   </a:extLst>
                 </a:gridCol>
-                <a:gridCol w="1861180">
+                <a:gridCol w="1869912">
                   <a:extLst>
                     <a:ext uri="{9D8B030D-6E8A-4147-A177-3AD203B41FA5}">
                       <a16:colId xmlns:a16="http://schemas.microsoft.com/office/drawing/2014/main" val="20003"/>
@@ -27469,7 +27469,7 @@
                     <a:p>
                       <a:pPr algn="l" fontAlgn="t"/>
                       <a:r>
-                        <a:rPr lang="en-US">
+                        <a:rPr lang="en-US" dirty="0">
                           <a:effectLst/>
                         </a:rPr>
                         <a:t>load</a:t>
